--- a/455DE-Ch00_Introduction.pptx
+++ b/455DE-Ch00_Introduction.pptx
@@ -8681,56 +8681,38 @@
       </p:graphicFrame>
       <p:pic>
         <p:nvPicPr>
-          <p:cNvPr id="9" name="Picture 3" descr="tick">
+          <p:cNvPr id="10" name="Picture 9" descr="A group of people around each other&#10;&#10;Description automatically generated">
             <a:extLst>
               <a:ext uri="{FF2B5EF4-FFF2-40B4-BE49-F238E27FC236}">
-                <a16:creationId xmlns:a16="http://schemas.microsoft.com/office/drawing/2014/main" id="{1DB4FF4E-3B40-4D0B-826C-316BD3F2647A}"/>
+                <a16:creationId xmlns:a16="http://schemas.microsoft.com/office/drawing/2014/main" id="{50FB8963-B4CA-4147-9482-D8C84CF31DCC}"/>
               </a:ext>
             </a:extLst>
           </p:cNvPr>
           <p:cNvPicPr>
-            <a:picLocks noChangeAspect="1" noChangeArrowheads="1"/>
+            <a:picLocks noChangeAspect="1"/>
           </p:cNvPicPr>
           <p:nvPr/>
         </p:nvPicPr>
         <p:blipFill>
-          <a:blip r:embed="rId4"/>
-          <a:srcRect/>
+          <a:blip r:embed="rId4">
+            <a:extLst>
+              <a:ext uri="{28A0092B-C50C-407E-A947-70E740481C1C}">
+                <a14:useLocalDpi xmlns:a14="http://schemas.microsoft.com/office/drawing/2010/main" val="0"/>
+              </a:ext>
+            </a:extLst>
+          </a:blip>
           <a:stretch>
             <a:fillRect/>
           </a:stretch>
         </p:blipFill>
-        <p:spPr bwMode="auto">
+        <p:spPr>
           <a:xfrm>
-            <a:off x="7590290" y="4585429"/>
-            <a:ext cx="1481197" cy="1666340"/>
+            <a:off x="7360818" y="3601894"/>
+            <a:ext cx="1703641" cy="2473599"/>
           </a:xfrm>
           <a:prstGeom prst="rect">
             <a:avLst/>
           </a:prstGeom>
-          <a:ln>
-            <a:noFill/>
-          </a:ln>
-          <a:effectLst/>
-          <a:extLst>
-            <a:ext uri="{909E8E84-426E-40DD-AFC4-6F175D3DCCD1}">
-              <a14:hiddenFill xmlns:a14="http://schemas.microsoft.com/office/drawing/2010/main">
-                <a:solidFill>
-                  <a:srgbClr val="FFFFFF"/>
-                </a:solidFill>
-              </a14:hiddenFill>
-            </a:ext>
-            <a:ext uri="{91240B29-F687-4F45-9708-019B960494DF}">
-              <a14:hiddenLine xmlns:a14="http://schemas.microsoft.com/office/drawing/2010/main" w="9525">
-                <a:solidFill>
-                  <a:srgbClr val="000000"/>
-                </a:solidFill>
-                <a:miter lim="800000"/>
-                <a:headEnd/>
-                <a:tailEnd/>
-              </a14:hiddenLine>
-            </a:ext>
-          </a:extLst>
         </p:spPr>
       </p:pic>
     </p:spTree>
@@ -10110,18 +10092,18 @@
 </file>
 
 <file path=customXml/item1.xml><?xml version="1.0" encoding="utf-8"?>
-<p:properties xmlns:p="http://schemas.microsoft.com/office/2006/metadata/properties" xmlns:xsi="http://www.w3.org/2001/XMLSchema-instance" xmlns:pc="http://schemas.microsoft.com/office/infopath/2007/PartnerControls">
-  <documentManagement/>
-</p:properties>
-</file>
-
-<file path=customXml/item2.xml><?xml version="1.0" encoding="utf-8"?>
 <?mso-contentType ?>
 <FormTemplates xmlns="http://schemas.microsoft.com/sharepoint/v3/contenttype/forms">
   <Display>DocumentLibraryForm</Display>
   <Edit>DocumentLibraryForm</Edit>
   <New>DocumentLibraryForm</New>
 </FormTemplates>
+</file>
+
+<file path=customXml/item2.xml><?xml version="1.0" encoding="utf-8"?>
+<p:properties xmlns:p="http://schemas.microsoft.com/office/2006/metadata/properties" xmlns:xsi="http://www.w3.org/2001/XMLSchema-instance" xmlns:pc="http://schemas.microsoft.com/office/infopath/2007/PartnerControls">
+  <documentManagement/>
+</p:properties>
 </file>
 
 <file path=customXml/item3.xml><?xml version="1.0" encoding="utf-8"?>
@@ -10277,6 +10259,14 @@
 </file>
 
 <file path=customXml/itemProps1.xml><?xml version="1.0" encoding="utf-8"?>
+<ds:datastoreItem xmlns:ds="http://schemas.openxmlformats.org/officeDocument/2006/customXml" ds:itemID="{2DA015F3-603C-4688-A5F3-81D587DAB8C9}">
+  <ds:schemaRefs>
+    <ds:schemaRef ds:uri="http://schemas.microsoft.com/sharepoint/v3/contenttype/forms"/>
+  </ds:schemaRefs>
+</ds:datastoreItem>
+</file>
+
+<file path=customXml/itemProps2.xml><?xml version="1.0" encoding="utf-8"?>
 <ds:datastoreItem xmlns:ds="http://schemas.openxmlformats.org/officeDocument/2006/customXml" ds:itemID="{F47B9207-CE5C-49AD-B414-15CBFA246D65}">
   <ds:schemaRefs>
     <ds:schemaRef ds:uri="http://schemas.microsoft.com/office/2006/documentManagement/types"/>
@@ -10288,14 +10278,6 @@
     <ds:schemaRef ds:uri="http://schemas.openxmlformats.org/package/2006/metadata/core-properties"/>
     <ds:schemaRef ds:uri="http://www.w3.org/XML/1998/namespace"/>
     <ds:schemaRef ds:uri="http://purl.org/dc/dcmitype/"/>
-  </ds:schemaRefs>
-</ds:datastoreItem>
-</file>
-
-<file path=customXml/itemProps2.xml><?xml version="1.0" encoding="utf-8"?>
-<ds:datastoreItem xmlns:ds="http://schemas.openxmlformats.org/officeDocument/2006/customXml" ds:itemID="{2DA015F3-603C-4688-A5F3-81D587DAB8C9}">
-  <ds:schemaRefs>
-    <ds:schemaRef ds:uri="http://schemas.microsoft.com/sharepoint/v3/contenttype/forms"/>
   </ds:schemaRefs>
 </ds:datastoreItem>
 </file>
